--- a/Wandler_Koll.pptx
+++ b/Wandler_Koll.pptx
@@ -9,11 +9,12 @@
     <p:sldId id="257" r:id="rId3"/>
     <p:sldId id="258" r:id="rId4"/>
     <p:sldId id="259" r:id="rId5"/>
-    <p:sldId id="261" r:id="rId6"/>
-    <p:sldId id="264" r:id="rId7"/>
-    <p:sldId id="260" r:id="rId8"/>
-    <p:sldId id="262" r:id="rId9"/>
-    <p:sldId id="263" r:id="rId10"/>
+    <p:sldId id="265" r:id="rId6"/>
+    <p:sldId id="261" r:id="rId7"/>
+    <p:sldId id="264" r:id="rId8"/>
+    <p:sldId id="260" r:id="rId9"/>
+    <p:sldId id="262" r:id="rId10"/>
+    <p:sldId id="263" r:id="rId11"/>
   </p:sldIdLst>
   <p:sldSz cx="12192000" cy="6858000"/>
   <p:notesSz cx="6858000" cy="9144000"/>
@@ -288,7 +289,7 @@
           <a:p>
             <a:fld id="{433BF1C3-5F5C-4405-BA96-63605F6D547A}" type="datetimeFigureOut">
               <a:rPr lang="en-GB" smtClean="0"/>
-              <a:t>16/01/2021</a:t>
+              <a:t>19/01/2021</a:t>
             </a:fld>
             <a:endParaRPr lang="en-GB"/>
           </a:p>
@@ -516,7 +517,7 @@
           <a:p>
             <a:fld id="{433BF1C3-5F5C-4405-BA96-63605F6D547A}" type="datetimeFigureOut">
               <a:rPr lang="en-GB" smtClean="0"/>
-              <a:t>16/01/2021</a:t>
+              <a:t>19/01/2021</a:t>
             </a:fld>
             <a:endParaRPr lang="en-GB"/>
           </a:p>
@@ -696,7 +697,7 @@
           <a:p>
             <a:fld id="{433BF1C3-5F5C-4405-BA96-63605F6D547A}" type="datetimeFigureOut">
               <a:rPr lang="en-GB" smtClean="0"/>
-              <a:t>16/01/2021</a:t>
+              <a:t>19/01/2021</a:t>
             </a:fld>
             <a:endParaRPr lang="en-GB"/>
           </a:p>
@@ -866,7 +867,7 @@
           <a:p>
             <a:fld id="{433BF1C3-5F5C-4405-BA96-63605F6D547A}" type="datetimeFigureOut">
               <a:rPr lang="en-GB" smtClean="0"/>
-              <a:t>16/01/2021</a:t>
+              <a:t>19/01/2021</a:t>
             </a:fld>
             <a:endParaRPr lang="en-GB"/>
           </a:p>
@@ -1120,7 +1121,7 @@
           <a:p>
             <a:fld id="{433BF1C3-5F5C-4405-BA96-63605F6D547A}" type="datetimeFigureOut">
               <a:rPr lang="en-GB" smtClean="0"/>
-              <a:t>16/01/2021</a:t>
+              <a:t>19/01/2021</a:t>
             </a:fld>
             <a:endParaRPr lang="en-GB"/>
           </a:p>
@@ -1446,7 +1447,7 @@
           <a:p>
             <a:fld id="{433BF1C3-5F5C-4405-BA96-63605F6D547A}" type="datetimeFigureOut">
               <a:rPr lang="en-GB" smtClean="0"/>
-              <a:t>16/01/2021</a:t>
+              <a:t>19/01/2021</a:t>
             </a:fld>
             <a:endParaRPr lang="en-GB"/>
           </a:p>
@@ -1897,7 +1898,7 @@
           <a:p>
             <a:fld id="{433BF1C3-5F5C-4405-BA96-63605F6D547A}" type="datetimeFigureOut">
               <a:rPr lang="en-GB" smtClean="0"/>
-              <a:t>16/01/2021</a:t>
+              <a:t>19/01/2021</a:t>
             </a:fld>
             <a:endParaRPr lang="en-GB"/>
           </a:p>
@@ -2015,7 +2016,7 @@
           <a:p>
             <a:fld id="{433BF1C3-5F5C-4405-BA96-63605F6D547A}" type="datetimeFigureOut">
               <a:rPr lang="en-GB" smtClean="0"/>
-              <a:t>16/01/2021</a:t>
+              <a:t>19/01/2021</a:t>
             </a:fld>
             <a:endParaRPr lang="en-GB"/>
           </a:p>
@@ -2110,7 +2111,7 @@
           <a:p>
             <a:fld id="{433BF1C3-5F5C-4405-BA96-63605F6D547A}" type="datetimeFigureOut">
               <a:rPr lang="en-GB" smtClean="0"/>
-              <a:t>16/01/2021</a:t>
+              <a:t>19/01/2021</a:t>
             </a:fld>
             <a:endParaRPr lang="en-GB"/>
           </a:p>
@@ -2397,7 +2398,7 @@
           <a:p>
             <a:fld id="{433BF1C3-5F5C-4405-BA96-63605F6D547A}" type="datetimeFigureOut">
               <a:rPr lang="en-GB" smtClean="0"/>
-              <a:t>16/01/2021</a:t>
+              <a:t>19/01/2021</a:t>
             </a:fld>
             <a:endParaRPr lang="en-GB"/>
           </a:p>
@@ -2722,7 +2723,7 @@
           <a:p>
             <a:fld id="{433BF1C3-5F5C-4405-BA96-63605F6D547A}" type="datetimeFigureOut">
               <a:rPr lang="en-GB" smtClean="0"/>
-              <a:t>16/01/2021</a:t>
+              <a:t>19/01/2021</a:t>
             </a:fld>
             <a:endParaRPr lang="en-GB"/>
           </a:p>
@@ -2976,7 +2977,7 @@
           <a:p>
             <a:fld id="{433BF1C3-5F5C-4405-BA96-63605F6D547A}" type="datetimeFigureOut">
               <a:rPr lang="en-GB" smtClean="0"/>
-              <a:t>16/01/2021</a:t>
+              <a:t>19/01/2021</a:t>
             </a:fld>
             <a:endParaRPr lang="en-GB"/>
           </a:p>
@@ -3502,15 +3503,7 @@
             </a:r>
             <a:r>
               <a:rPr lang="de-DE" sz="4800" dirty="0"/>
-              <a:t> </a:t>
-            </a:r>
-            <a:r>
-              <a:rPr lang="de-DE" sz="4800" dirty="0" err="1"/>
-              <a:t>Leaning</a:t>
-            </a:r>
-            <a:r>
-              <a:rPr lang="de-DE" sz="4800" dirty="0"/>
-              <a:t> Applikationen</a:t>
+              <a:t> Learning Applikationen</a:t>
             </a:r>
             <a:endParaRPr lang="en-GB" sz="4800" dirty="0"/>
           </a:p>
@@ -3545,6 +3538,86 @@
     <p:extLst>
       <p:ext uri="{BB962C8B-B14F-4D97-AF65-F5344CB8AC3E}">
         <p14:creationId xmlns:p14="http://schemas.microsoft.com/office/powerpoint/2010/main" val="3156239124"/>
+      </p:ext>
+    </p:extLst>
+  </p:cSld>
+  <p:clrMapOvr>
+    <a:masterClrMapping/>
+  </p:clrMapOvr>
+</p:sld>
+</file>
+
+<file path=ppt/slides/slide10.xml><?xml version="1.0" encoding="utf-8"?>
+<p:sld xmlns:a="http://schemas.openxmlformats.org/drawingml/2006/main" xmlns:r="http://schemas.openxmlformats.org/officeDocument/2006/relationships" xmlns:p="http://schemas.openxmlformats.org/presentationml/2006/main">
+  <p:cSld>
+    <p:spTree>
+      <p:nvGrpSpPr>
+        <p:cNvPr id="1" name=""/>
+        <p:cNvGrpSpPr/>
+        <p:nvPr/>
+      </p:nvGrpSpPr>
+      <p:grpSpPr>
+        <a:xfrm>
+          <a:off x="0" y="0"/>
+          <a:ext cx="0" cy="0"/>
+          <a:chOff x="0" y="0"/>
+          <a:chExt cx="0" cy="0"/>
+        </a:xfrm>
+      </p:grpSpPr>
+      <p:sp>
+        <p:nvSpPr>
+          <p:cNvPr id="2" name="Titel 1">
+            <a:extLst>
+              <a:ext uri="{FF2B5EF4-FFF2-40B4-BE49-F238E27FC236}">
+                <a16:creationId xmlns:a16="http://schemas.microsoft.com/office/drawing/2014/main" id="{B4B7AA0E-5DF0-4FA9-9A53-8163C68F5904}"/>
+              </a:ext>
+            </a:extLst>
+          </p:cNvPr>
+          <p:cNvSpPr>
+            <a:spLocks noGrp="1"/>
+          </p:cNvSpPr>
+          <p:nvPr>
+            <p:ph type="title"/>
+          </p:nvPr>
+        </p:nvSpPr>
+        <p:spPr/>
+        <p:txBody>
+          <a:bodyPr/>
+          <a:lstStyle/>
+          <a:p>
+            <a:endParaRPr lang="en-GB"/>
+          </a:p>
+        </p:txBody>
+      </p:sp>
+      <p:sp>
+        <p:nvSpPr>
+          <p:cNvPr id="3" name="Inhaltsplatzhalter 2">
+            <a:extLst>
+              <a:ext uri="{FF2B5EF4-FFF2-40B4-BE49-F238E27FC236}">
+                <a16:creationId xmlns:a16="http://schemas.microsoft.com/office/drawing/2014/main" id="{7452E0CC-4697-4B4B-9314-D06F86703B0D}"/>
+              </a:ext>
+            </a:extLst>
+          </p:cNvPr>
+          <p:cNvSpPr>
+            <a:spLocks noGrp="1"/>
+          </p:cNvSpPr>
+          <p:nvPr>
+            <p:ph idx="1"/>
+          </p:nvPr>
+        </p:nvSpPr>
+        <p:spPr/>
+        <p:txBody>
+          <a:bodyPr/>
+          <a:lstStyle/>
+          <a:p>
+            <a:endParaRPr lang="en-GB"/>
+          </a:p>
+        </p:txBody>
+      </p:sp>
+    </p:spTree>
+    <p:extLst>
+      <p:ext uri="{BB962C8B-B14F-4D97-AF65-F5344CB8AC3E}">
+        <p14:creationId xmlns:p14="http://schemas.microsoft.com/office/powerpoint/2010/main" val="963396084"/>
       </p:ext>
     </p:extLst>
   </p:cSld>
@@ -3623,19 +3696,39 @@
           <a:p>
             <a:r>
               <a:rPr lang="de-DE" dirty="0"/>
-              <a:t>1. Allgemeines zum Wandler</a:t>
+              <a:t>1. Eigenschaften des Buck-Wandlers</a:t>
             </a:r>
           </a:p>
           <a:p>
             <a:r>
               <a:rPr lang="de-DE" dirty="0"/>
-              <a:t>2. Testaufbau</a:t>
-            </a:r>
-          </a:p>
-          <a:p>
+              <a:t>2. </a:t>
+            </a:r>
+            <a:r>
+              <a:rPr lang="de-DE" dirty="0" err="1"/>
+              <a:t>Wandlervergleich</a:t>
+            </a:r>
             <a:r>
               <a:rPr lang="de-DE" dirty="0"/>
-              <a:t>3. Anwendbarkeitstest – Neuronale Netze</a:t>
+              <a:t> unter statischer Last</a:t>
+            </a:r>
+          </a:p>
+          <a:p>
+            <a:r>
+              <a:rPr lang="de-DE" dirty="0"/>
+              <a:t>3 Testaufbau für dynamische Last </a:t>
+            </a:r>
+          </a:p>
+          <a:p>
+            <a:r>
+              <a:rPr lang="de-DE" dirty="0"/>
+              <a:t>4. Ermittlung und Auswertung der Abtastrate</a:t>
+            </a:r>
+          </a:p>
+          <a:p>
+            <a:r>
+              <a:rPr lang="de-DE" dirty="0"/>
+              <a:t>5. Anwendbarkeitstest – Neuronale Netze</a:t>
             </a:r>
           </a:p>
           <a:p>
@@ -3720,7 +3813,7 @@
         </p:nvSpPr>
         <p:spPr>
           <a:xfrm>
-            <a:off x="5274906" y="1828800"/>
+            <a:off x="5956600" y="2091479"/>
             <a:ext cx="5617029" cy="4351337"/>
           </a:xfrm>
         </p:spPr>
@@ -3730,7 +3823,7 @@
           <a:p>
             <a:r>
               <a:rPr lang="de-DE" dirty="0"/>
-              <a:t>Input: 18 – 24 V DC</a:t>
+              <a:t>Input: 15 – 40 V DC</a:t>
             </a:r>
           </a:p>
           <a:p>
@@ -3757,7 +3850,7 @@
             </a:pPr>
             <a:r>
               <a:rPr lang="de-DE" dirty="0"/>
-              <a:t>       Ausgangsspannung</a:t>
+              <a:t>       - Ausgangsspannung</a:t>
             </a:r>
           </a:p>
           <a:p>
@@ -3766,7 +3859,7 @@
             </a:pPr>
             <a:r>
               <a:rPr lang="de-DE" dirty="0"/>
-              <a:t>       Ausgangsstrom</a:t>
+              <a:t>       - Ausgangsstrom</a:t>
             </a:r>
           </a:p>
           <a:p>
@@ -3775,7 +3868,7 @@
             </a:pPr>
             <a:r>
               <a:rPr lang="de-DE" dirty="0"/>
-              <a:t>       </a:t>
+              <a:t>       - </a:t>
             </a:r>
             <a:r>
               <a:rPr lang="de-DE" dirty="0" err="1"/>
@@ -3789,6 +3882,42 @@
           </a:p>
         </p:txBody>
       </p:sp>
+      <p:pic>
+        <p:nvPicPr>
+          <p:cNvPr id="5" name="Grafik 4" descr="Ein Bild, das Text, Elektronik, Schaltkreis enthält.&#10;&#10;Automatisch generierte Beschreibung">
+            <a:extLst>
+              <a:ext uri="{FF2B5EF4-FFF2-40B4-BE49-F238E27FC236}">
+                <a16:creationId xmlns:a16="http://schemas.microsoft.com/office/drawing/2014/main" id="{C0511DC7-F4E6-4D4D-B5C0-B5819722B1E1}"/>
+              </a:ext>
+            </a:extLst>
+          </p:cNvPr>
+          <p:cNvPicPr>
+            <a:picLocks noChangeAspect="1"/>
+          </p:cNvPicPr>
+          <p:nvPr/>
+        </p:nvPicPr>
+        <p:blipFill>
+          <a:blip r:embed="rId2">
+            <a:extLst>
+              <a:ext uri="{28A0092B-C50C-407E-A947-70E740481C1C}">
+                <a14:useLocalDpi xmlns:a14="http://schemas.microsoft.com/office/drawing/2010/main" val="0"/>
+              </a:ext>
+            </a:extLst>
+          </a:blip>
+          <a:stretch>
+            <a:fillRect/>
+          </a:stretch>
+        </p:blipFill>
+        <p:spPr>
+          <a:xfrm>
+            <a:off x="1261872" y="2091479"/>
+            <a:ext cx="4342104" cy="2381845"/>
+          </a:xfrm>
+          <a:prstGeom prst="rect">
+            <a:avLst/>
+          </a:prstGeom>
+        </p:spPr>
+      </p:pic>
     </p:spTree>
     <p:extLst>
       <p:ext uri="{BB962C8B-B14F-4D97-AF65-F5344CB8AC3E}">
@@ -3999,6 +4128,101 @@
           <p:cNvPr id="2" name="Titel 1">
             <a:extLst>
               <a:ext uri="{FF2B5EF4-FFF2-40B4-BE49-F238E27FC236}">
+                <a16:creationId xmlns:a16="http://schemas.microsoft.com/office/drawing/2014/main" id="{8523DED6-27EF-491D-A912-4CF2292BF015}"/>
+              </a:ext>
+            </a:extLst>
+          </p:cNvPr>
+          <p:cNvSpPr>
+            <a:spLocks noGrp="1"/>
+          </p:cNvSpPr>
+          <p:nvPr>
+            <p:ph type="title"/>
+          </p:nvPr>
+        </p:nvSpPr>
+        <p:spPr/>
+        <p:txBody>
+          <a:bodyPr/>
+          <a:lstStyle/>
+          <a:p>
+            <a:pPr algn="ctr"/>
+            <a:r>
+              <a:rPr lang="de-DE" dirty="0"/>
+              <a:t>Testaufbau</a:t>
+            </a:r>
+            <a:endParaRPr lang="en-GB" dirty="0"/>
+          </a:p>
+        </p:txBody>
+      </p:sp>
+      <p:pic>
+        <p:nvPicPr>
+          <p:cNvPr id="5" name="Inhaltsplatzhalter 4">
+            <a:extLst>
+              <a:ext uri="{FF2B5EF4-FFF2-40B4-BE49-F238E27FC236}">
+                <a16:creationId xmlns:a16="http://schemas.microsoft.com/office/drawing/2014/main" id="{7E6C04EB-3BFA-4180-9918-463CA6ED51AF}"/>
+              </a:ext>
+            </a:extLst>
+          </p:cNvPr>
+          <p:cNvPicPr>
+            <a:picLocks noGrp="1" noChangeAspect="1"/>
+          </p:cNvPicPr>
+          <p:nvPr>
+            <p:ph idx="1"/>
+          </p:nvPr>
+        </p:nvPicPr>
+        <p:blipFill>
+          <a:blip r:embed="rId2">
+            <a:extLst>
+              <a:ext uri="{28A0092B-C50C-407E-A947-70E740481C1C}">
+                <a14:useLocalDpi xmlns:a14="http://schemas.microsoft.com/office/drawing/2010/main" val="0"/>
+              </a:ext>
+            </a:extLst>
+          </a:blip>
+          <a:stretch>
+            <a:fillRect/>
+          </a:stretch>
+        </p:blipFill>
+        <p:spPr>
+          <a:xfrm>
+            <a:off x="3016898" y="1923188"/>
+            <a:ext cx="6158204" cy="4351338"/>
+          </a:xfrm>
+        </p:spPr>
+      </p:pic>
+    </p:spTree>
+    <p:extLst>
+      <p:ext uri="{BB962C8B-B14F-4D97-AF65-F5344CB8AC3E}">
+        <p14:creationId xmlns:p14="http://schemas.microsoft.com/office/powerpoint/2010/main" val="2020810585"/>
+      </p:ext>
+    </p:extLst>
+  </p:cSld>
+  <p:clrMapOvr>
+    <a:masterClrMapping/>
+  </p:clrMapOvr>
+</p:sld>
+</file>
+
+<file path=ppt/slides/slide6.xml><?xml version="1.0" encoding="utf-8"?>
+<p:sld xmlns:a="http://schemas.openxmlformats.org/drawingml/2006/main" xmlns:r="http://schemas.openxmlformats.org/officeDocument/2006/relationships" xmlns:p="http://schemas.openxmlformats.org/presentationml/2006/main">
+  <p:cSld>
+    <p:spTree>
+      <p:nvGrpSpPr>
+        <p:cNvPr id="1" name=""/>
+        <p:cNvGrpSpPr/>
+        <p:nvPr/>
+      </p:nvGrpSpPr>
+      <p:grpSpPr>
+        <a:xfrm>
+          <a:off x="0" y="0"/>
+          <a:ext cx="0" cy="0"/>
+          <a:chOff x="0" y="0"/>
+          <a:chExt cx="0" cy="0"/>
+        </a:xfrm>
+      </p:grpSpPr>
+      <p:sp>
+        <p:nvSpPr>
+          <p:cNvPr id="2" name="Titel 1">
+            <a:extLst>
+              <a:ext uri="{FF2B5EF4-FFF2-40B4-BE49-F238E27FC236}">
                 <a16:creationId xmlns:a16="http://schemas.microsoft.com/office/drawing/2014/main" id="{862ACD12-2B61-4042-AAC9-FE421A02B8F0}"/>
               </a:ext>
             </a:extLst>
@@ -4091,7 +4315,7 @@
 </p:sld>
 </file>
 
-<file path=ppt/slides/slide6.xml><?xml version="1.0" encoding="utf-8"?>
+<file path=ppt/slides/slide7.xml><?xml version="1.0" encoding="utf-8"?>
 <p:sld xmlns:a="http://schemas.openxmlformats.org/drawingml/2006/main" xmlns:r="http://schemas.openxmlformats.org/officeDocument/2006/relationships" xmlns:p="http://schemas.openxmlformats.org/presentationml/2006/main">
   <p:cSld>
     <p:spTree>
@@ -4245,7 +4469,7 @@
 </p:sld>
 </file>
 
-<file path=ppt/slides/slide7.xml><?xml version="1.0" encoding="utf-8"?>
+<file path=ppt/slides/slide8.xml><?xml version="1.0" encoding="utf-8"?>
 <p:sld xmlns:a="http://schemas.openxmlformats.org/drawingml/2006/main" xmlns:r="http://schemas.openxmlformats.org/officeDocument/2006/relationships" xmlns:p="http://schemas.openxmlformats.org/presentationml/2006/main">
   <p:cSld>
     <p:spTree>
@@ -4386,86 +4610,6 @@
 </p:sld>
 </file>
 
-<file path=ppt/slides/slide8.xml><?xml version="1.0" encoding="utf-8"?>
-<p:sld xmlns:a="http://schemas.openxmlformats.org/drawingml/2006/main" xmlns:r="http://schemas.openxmlformats.org/officeDocument/2006/relationships" xmlns:p="http://schemas.openxmlformats.org/presentationml/2006/main">
-  <p:cSld>
-    <p:spTree>
-      <p:nvGrpSpPr>
-        <p:cNvPr id="1" name=""/>
-        <p:cNvGrpSpPr/>
-        <p:nvPr/>
-      </p:nvGrpSpPr>
-      <p:grpSpPr>
-        <a:xfrm>
-          <a:off x="0" y="0"/>
-          <a:ext cx="0" cy="0"/>
-          <a:chOff x="0" y="0"/>
-          <a:chExt cx="0" cy="0"/>
-        </a:xfrm>
-      </p:grpSpPr>
-      <p:sp>
-        <p:nvSpPr>
-          <p:cNvPr id="2" name="Titel 1">
-            <a:extLst>
-              <a:ext uri="{FF2B5EF4-FFF2-40B4-BE49-F238E27FC236}">
-                <a16:creationId xmlns:a16="http://schemas.microsoft.com/office/drawing/2014/main" id="{FA05B18F-EA03-45DF-B073-4D703E646390}"/>
-              </a:ext>
-            </a:extLst>
-          </p:cNvPr>
-          <p:cNvSpPr>
-            <a:spLocks noGrp="1"/>
-          </p:cNvSpPr>
-          <p:nvPr>
-            <p:ph type="title"/>
-          </p:nvPr>
-        </p:nvSpPr>
-        <p:spPr/>
-        <p:txBody>
-          <a:bodyPr/>
-          <a:lstStyle/>
-          <a:p>
-            <a:endParaRPr lang="en-GB"/>
-          </a:p>
-        </p:txBody>
-      </p:sp>
-      <p:sp>
-        <p:nvSpPr>
-          <p:cNvPr id="3" name="Inhaltsplatzhalter 2">
-            <a:extLst>
-              <a:ext uri="{FF2B5EF4-FFF2-40B4-BE49-F238E27FC236}">
-                <a16:creationId xmlns:a16="http://schemas.microsoft.com/office/drawing/2014/main" id="{F5D22087-7430-421F-AFE2-7F8AC7FF832C}"/>
-              </a:ext>
-            </a:extLst>
-          </p:cNvPr>
-          <p:cNvSpPr>
-            <a:spLocks noGrp="1"/>
-          </p:cNvSpPr>
-          <p:nvPr>
-            <p:ph idx="1"/>
-          </p:nvPr>
-        </p:nvSpPr>
-        <p:spPr/>
-        <p:txBody>
-          <a:bodyPr/>
-          <a:lstStyle/>
-          <a:p>
-            <a:endParaRPr lang="en-GB"/>
-          </a:p>
-        </p:txBody>
-      </p:sp>
-    </p:spTree>
-    <p:extLst>
-      <p:ext uri="{BB962C8B-B14F-4D97-AF65-F5344CB8AC3E}">
-        <p14:creationId xmlns:p14="http://schemas.microsoft.com/office/powerpoint/2010/main" val="419571780"/>
-      </p:ext>
-    </p:extLst>
-  </p:cSld>
-  <p:clrMapOvr>
-    <a:masterClrMapping/>
-  </p:clrMapOvr>
-</p:sld>
-</file>
-
 <file path=ppt/slides/slide9.xml><?xml version="1.0" encoding="utf-8"?>
 <p:sld xmlns:a="http://schemas.openxmlformats.org/drawingml/2006/main" xmlns:r="http://schemas.openxmlformats.org/officeDocument/2006/relationships" xmlns:p="http://schemas.openxmlformats.org/presentationml/2006/main">
   <p:cSld>
@@ -4488,7 +4632,7 @@
           <p:cNvPr id="2" name="Titel 1">
             <a:extLst>
               <a:ext uri="{FF2B5EF4-FFF2-40B4-BE49-F238E27FC236}">
-                <a16:creationId xmlns:a16="http://schemas.microsoft.com/office/drawing/2014/main" id="{B4B7AA0E-5DF0-4FA9-9A53-8163C68F5904}"/>
+                <a16:creationId xmlns:a16="http://schemas.microsoft.com/office/drawing/2014/main" id="{FA05B18F-EA03-45DF-B073-4D703E646390}"/>
               </a:ext>
             </a:extLst>
           </p:cNvPr>
@@ -4513,7 +4657,7 @@
           <p:cNvPr id="3" name="Inhaltsplatzhalter 2">
             <a:extLst>
               <a:ext uri="{FF2B5EF4-FFF2-40B4-BE49-F238E27FC236}">
-                <a16:creationId xmlns:a16="http://schemas.microsoft.com/office/drawing/2014/main" id="{7452E0CC-4697-4B4B-9314-D06F86703B0D}"/>
+                <a16:creationId xmlns:a16="http://schemas.microsoft.com/office/drawing/2014/main" id="{F5D22087-7430-421F-AFE2-7F8AC7FF832C}"/>
               </a:ext>
             </a:extLst>
           </p:cNvPr>
@@ -4536,7 +4680,7 @@
     </p:spTree>
     <p:extLst>
       <p:ext uri="{BB962C8B-B14F-4D97-AF65-F5344CB8AC3E}">
-        <p14:creationId xmlns:p14="http://schemas.microsoft.com/office/powerpoint/2010/main" val="963396084"/>
+        <p14:creationId xmlns:p14="http://schemas.microsoft.com/office/powerpoint/2010/main" val="419571780"/>
       </p:ext>
     </p:extLst>
   </p:cSld>

--- a/Wandler_Koll.pptx
+++ b/Wandler_Koll.pptx
@@ -13,8 +13,6 @@
     <p:sldId id="261" r:id="rId7"/>
     <p:sldId id="264" r:id="rId8"/>
     <p:sldId id="260" r:id="rId9"/>
-    <p:sldId id="262" r:id="rId10"/>
-    <p:sldId id="263" r:id="rId11"/>
   </p:sldIdLst>
   <p:sldSz cx="12192000" cy="6858000"/>
   <p:notesSz cx="6858000" cy="9144000"/>
@@ -289,7 +287,7 @@
           <a:p>
             <a:fld id="{433BF1C3-5F5C-4405-BA96-63605F6D547A}" type="datetimeFigureOut">
               <a:rPr lang="en-GB" smtClean="0"/>
-              <a:t>19/01/2021</a:t>
+              <a:t>21/01/2021</a:t>
             </a:fld>
             <a:endParaRPr lang="en-GB"/>
           </a:p>
@@ -517,7 +515,7 @@
           <a:p>
             <a:fld id="{433BF1C3-5F5C-4405-BA96-63605F6D547A}" type="datetimeFigureOut">
               <a:rPr lang="en-GB" smtClean="0"/>
-              <a:t>19/01/2021</a:t>
+              <a:t>21/01/2021</a:t>
             </a:fld>
             <a:endParaRPr lang="en-GB"/>
           </a:p>
@@ -697,7 +695,7 @@
           <a:p>
             <a:fld id="{433BF1C3-5F5C-4405-BA96-63605F6D547A}" type="datetimeFigureOut">
               <a:rPr lang="en-GB" smtClean="0"/>
-              <a:t>19/01/2021</a:t>
+              <a:t>21/01/2021</a:t>
             </a:fld>
             <a:endParaRPr lang="en-GB"/>
           </a:p>
@@ -867,7 +865,7 @@
           <a:p>
             <a:fld id="{433BF1C3-5F5C-4405-BA96-63605F6D547A}" type="datetimeFigureOut">
               <a:rPr lang="en-GB" smtClean="0"/>
-              <a:t>19/01/2021</a:t>
+              <a:t>21/01/2021</a:t>
             </a:fld>
             <a:endParaRPr lang="en-GB"/>
           </a:p>
@@ -1121,7 +1119,7 @@
           <a:p>
             <a:fld id="{433BF1C3-5F5C-4405-BA96-63605F6D547A}" type="datetimeFigureOut">
               <a:rPr lang="en-GB" smtClean="0"/>
-              <a:t>19/01/2021</a:t>
+              <a:t>21/01/2021</a:t>
             </a:fld>
             <a:endParaRPr lang="en-GB"/>
           </a:p>
@@ -1447,7 +1445,7 @@
           <a:p>
             <a:fld id="{433BF1C3-5F5C-4405-BA96-63605F6D547A}" type="datetimeFigureOut">
               <a:rPr lang="en-GB" smtClean="0"/>
-              <a:t>19/01/2021</a:t>
+              <a:t>21/01/2021</a:t>
             </a:fld>
             <a:endParaRPr lang="en-GB"/>
           </a:p>
@@ -1898,7 +1896,7 @@
           <a:p>
             <a:fld id="{433BF1C3-5F5C-4405-BA96-63605F6D547A}" type="datetimeFigureOut">
               <a:rPr lang="en-GB" smtClean="0"/>
-              <a:t>19/01/2021</a:t>
+              <a:t>21/01/2021</a:t>
             </a:fld>
             <a:endParaRPr lang="en-GB"/>
           </a:p>
@@ -2016,7 +2014,7 @@
           <a:p>
             <a:fld id="{433BF1C3-5F5C-4405-BA96-63605F6D547A}" type="datetimeFigureOut">
               <a:rPr lang="en-GB" smtClean="0"/>
-              <a:t>19/01/2021</a:t>
+              <a:t>21/01/2021</a:t>
             </a:fld>
             <a:endParaRPr lang="en-GB"/>
           </a:p>
@@ -2111,7 +2109,7 @@
           <a:p>
             <a:fld id="{433BF1C3-5F5C-4405-BA96-63605F6D547A}" type="datetimeFigureOut">
               <a:rPr lang="en-GB" smtClean="0"/>
-              <a:t>19/01/2021</a:t>
+              <a:t>21/01/2021</a:t>
             </a:fld>
             <a:endParaRPr lang="en-GB"/>
           </a:p>
@@ -2398,7 +2396,7 @@
           <a:p>
             <a:fld id="{433BF1C3-5F5C-4405-BA96-63605F6D547A}" type="datetimeFigureOut">
               <a:rPr lang="en-GB" smtClean="0"/>
-              <a:t>19/01/2021</a:t>
+              <a:t>21/01/2021</a:t>
             </a:fld>
             <a:endParaRPr lang="en-GB"/>
           </a:p>
@@ -2723,7 +2721,7 @@
           <a:p>
             <a:fld id="{433BF1C3-5F5C-4405-BA96-63605F6D547A}" type="datetimeFigureOut">
               <a:rPr lang="en-GB" smtClean="0"/>
-              <a:t>19/01/2021</a:t>
+              <a:t>21/01/2021</a:t>
             </a:fld>
             <a:endParaRPr lang="en-GB"/>
           </a:p>
@@ -2977,7 +2975,7 @@
           <a:p>
             <a:fld id="{433BF1C3-5F5C-4405-BA96-63605F6D547A}" type="datetimeFigureOut">
               <a:rPr lang="en-GB" smtClean="0"/>
-              <a:t>19/01/2021</a:t>
+              <a:t>21/01/2021</a:t>
             </a:fld>
             <a:endParaRPr lang="en-GB"/>
           </a:p>
@@ -3495,15 +3493,7 @@
           <a:p>
             <a:r>
               <a:rPr lang="de-DE" sz="4800" dirty="0"/>
-              <a:t>Untersuchung eines Hybrid-Buck-Wandlers hinsichtlich seiner Anwendbarkeit für </a:t>
-            </a:r>
-            <a:r>
-              <a:rPr lang="de-DE" sz="4800" dirty="0" err="1"/>
-              <a:t>Machine</a:t>
-            </a:r>
-            <a:r>
-              <a:rPr lang="de-DE" sz="4800" dirty="0"/>
-              <a:t> Learning Applikationen</a:t>
+              <a:t>Untersuchung eines Hybrid-Buck-Wandlers hinsichtlich seiner Anwendbarkeit für Maschine Learning Applikationen</a:t>
             </a:r>
             <a:endParaRPr lang="en-GB" sz="4800" dirty="0"/>
           </a:p>
@@ -3538,86 +3528,6 @@
     <p:extLst>
       <p:ext uri="{BB962C8B-B14F-4D97-AF65-F5344CB8AC3E}">
         <p14:creationId xmlns:p14="http://schemas.microsoft.com/office/powerpoint/2010/main" val="3156239124"/>
-      </p:ext>
-    </p:extLst>
-  </p:cSld>
-  <p:clrMapOvr>
-    <a:masterClrMapping/>
-  </p:clrMapOvr>
-</p:sld>
-</file>
-
-<file path=ppt/slides/slide10.xml><?xml version="1.0" encoding="utf-8"?>
-<p:sld xmlns:a="http://schemas.openxmlformats.org/drawingml/2006/main" xmlns:r="http://schemas.openxmlformats.org/officeDocument/2006/relationships" xmlns:p="http://schemas.openxmlformats.org/presentationml/2006/main">
-  <p:cSld>
-    <p:spTree>
-      <p:nvGrpSpPr>
-        <p:cNvPr id="1" name=""/>
-        <p:cNvGrpSpPr/>
-        <p:nvPr/>
-      </p:nvGrpSpPr>
-      <p:grpSpPr>
-        <a:xfrm>
-          <a:off x="0" y="0"/>
-          <a:ext cx="0" cy="0"/>
-          <a:chOff x="0" y="0"/>
-          <a:chExt cx="0" cy="0"/>
-        </a:xfrm>
-      </p:grpSpPr>
-      <p:sp>
-        <p:nvSpPr>
-          <p:cNvPr id="2" name="Titel 1">
-            <a:extLst>
-              <a:ext uri="{FF2B5EF4-FFF2-40B4-BE49-F238E27FC236}">
-                <a16:creationId xmlns:a16="http://schemas.microsoft.com/office/drawing/2014/main" id="{B4B7AA0E-5DF0-4FA9-9A53-8163C68F5904}"/>
-              </a:ext>
-            </a:extLst>
-          </p:cNvPr>
-          <p:cNvSpPr>
-            <a:spLocks noGrp="1"/>
-          </p:cNvSpPr>
-          <p:nvPr>
-            <p:ph type="title"/>
-          </p:nvPr>
-        </p:nvSpPr>
-        <p:spPr/>
-        <p:txBody>
-          <a:bodyPr/>
-          <a:lstStyle/>
-          <a:p>
-            <a:endParaRPr lang="en-GB"/>
-          </a:p>
-        </p:txBody>
-      </p:sp>
-      <p:sp>
-        <p:nvSpPr>
-          <p:cNvPr id="3" name="Inhaltsplatzhalter 2">
-            <a:extLst>
-              <a:ext uri="{FF2B5EF4-FFF2-40B4-BE49-F238E27FC236}">
-                <a16:creationId xmlns:a16="http://schemas.microsoft.com/office/drawing/2014/main" id="{7452E0CC-4697-4B4B-9314-D06F86703B0D}"/>
-              </a:ext>
-            </a:extLst>
-          </p:cNvPr>
-          <p:cNvSpPr>
-            <a:spLocks noGrp="1"/>
-          </p:cNvSpPr>
-          <p:nvPr>
-            <p:ph idx="1"/>
-          </p:nvPr>
-        </p:nvSpPr>
-        <p:spPr/>
-        <p:txBody>
-          <a:bodyPr/>
-          <a:lstStyle/>
-          <a:p>
-            <a:endParaRPr lang="en-GB"/>
-          </a:p>
-        </p:txBody>
-      </p:sp>
-    </p:spTree>
-    <p:extLst>
-      <p:ext uri="{BB962C8B-B14F-4D97-AF65-F5344CB8AC3E}">
-        <p14:creationId xmlns:p14="http://schemas.microsoft.com/office/powerpoint/2010/main" val="963396084"/>
       </p:ext>
     </p:extLst>
   </p:cSld>
@@ -3702,15 +3612,7 @@
           <a:p>
             <a:r>
               <a:rPr lang="de-DE" dirty="0"/>
-              <a:t>2. </a:t>
-            </a:r>
-            <a:r>
-              <a:rPr lang="de-DE" dirty="0" err="1"/>
-              <a:t>Wandlervergleich</a:t>
-            </a:r>
-            <a:r>
-              <a:rPr lang="de-DE" dirty="0"/>
-              <a:t> unter statischer Last</a:t>
+              <a:t>2. Wandler Vergleich unter statischer Last</a:t>
             </a:r>
           </a:p>
           <a:p>
@@ -4139,7 +4041,12 @@
             <p:ph type="title"/>
           </p:nvPr>
         </p:nvSpPr>
-        <p:spPr/>
+        <p:spPr>
+          <a:xfrm>
+            <a:off x="806733" y="253726"/>
+            <a:ext cx="9692640" cy="1325562"/>
+          </a:xfrm>
+        </p:spPr>
         <p:txBody>
           <a:bodyPr/>
           <a:lstStyle/>
@@ -4155,10 +4062,10 @@
       </p:sp>
       <p:pic>
         <p:nvPicPr>
-          <p:cNvPr id="5" name="Inhaltsplatzhalter 4">
+          <p:cNvPr id="7" name="Inhaltsplatzhalter 6">
             <a:extLst>
               <a:ext uri="{FF2B5EF4-FFF2-40B4-BE49-F238E27FC236}">
-                <a16:creationId xmlns:a16="http://schemas.microsoft.com/office/drawing/2014/main" id="{7E6C04EB-3BFA-4180-9918-463CA6ED51AF}"/>
+                <a16:creationId xmlns:a16="http://schemas.microsoft.com/office/drawing/2014/main" id="{DF89DD44-7BB1-4ECF-A961-86C00D52CD0D}"/>
               </a:ext>
             </a:extLst>
           </p:cNvPr>
@@ -4183,8 +4090,8 @@
         </p:blipFill>
         <p:spPr>
           <a:xfrm>
-            <a:off x="3016898" y="1923188"/>
-            <a:ext cx="6158204" cy="4351338"/>
+            <a:off x="2323300" y="1688186"/>
+            <a:ext cx="6659506" cy="4808138"/>
           </a:xfrm>
         </p:spPr>
       </p:pic>
@@ -4302,6 +4209,50 @@
           </a:p>
         </p:txBody>
       </p:sp>
+      <p:sp>
+        <p:nvSpPr>
+          <p:cNvPr id="4" name="Pfeil: nach unten 3">
+            <a:extLst>
+              <a:ext uri="{FF2B5EF4-FFF2-40B4-BE49-F238E27FC236}">
+                <a16:creationId xmlns:a16="http://schemas.microsoft.com/office/drawing/2014/main" id="{49E6DA94-618E-405A-B985-C419D3A1F5D6}"/>
+              </a:ext>
+            </a:extLst>
+          </p:cNvPr>
+          <p:cNvSpPr/>
+          <p:nvPr/>
+        </p:nvSpPr>
+        <p:spPr>
+          <a:xfrm>
+            <a:off x="4197350" y="4464050"/>
+            <a:ext cx="2057400" cy="1435100"/>
+          </a:xfrm>
+          <a:prstGeom prst="downArrow">
+            <a:avLst/>
+          </a:prstGeom>
+        </p:spPr>
+        <p:style>
+          <a:lnRef idx="1">
+            <a:schemeClr val="accent5"/>
+          </a:lnRef>
+          <a:fillRef idx="3">
+            <a:schemeClr val="accent5"/>
+          </a:fillRef>
+          <a:effectRef idx="2">
+            <a:schemeClr val="accent5"/>
+          </a:effectRef>
+          <a:fontRef idx="minor">
+            <a:schemeClr val="lt1"/>
+          </a:fontRef>
+        </p:style>
+        <p:txBody>
+          <a:bodyPr rtlCol="0" anchor="ctr"/>
+          <a:lstStyle/>
+          <a:p>
+            <a:pPr algn="ctr"/>
+            <a:endParaRPr lang="en-GB"/>
+          </a:p>
+        </p:txBody>
+      </p:sp>
     </p:spTree>
     <p:extLst>
       <p:ext uri="{BB962C8B-B14F-4D97-AF65-F5344CB8AC3E}">
@@ -4348,34 +4299,27 @@
             <p:ph type="title"/>
           </p:nvPr>
         </p:nvSpPr>
-        <p:spPr/>
-        <p:txBody>
-          <a:bodyPr/>
-          <a:lstStyle/>
-          <a:p>
+        <p:spPr>
+          <a:xfrm>
+            <a:off x="659130" y="-90512"/>
+            <a:ext cx="9692640" cy="1325562"/>
+          </a:xfrm>
+        </p:spPr>
+        <p:txBody>
+          <a:bodyPr/>
+          <a:lstStyle/>
+          <a:p>
+            <a:r>
+              <a:rPr lang="de-DE" dirty="0"/>
+              <a:t>Signalvergleich</a:t>
+            </a:r>
             <a:r>
               <a:rPr lang="de-DE" dirty="0">
                 <a:highlight>
                   <a:srgbClr val="FFFF00"/>
                 </a:highlight>
               </a:rPr>
-              <a:t>(</a:t>
-            </a:r>
-            <a:r>
-              <a:rPr lang="de-DE" dirty="0" err="1">
-                <a:highlight>
-                  <a:srgbClr val="FFFF00"/>
-                </a:highlight>
-              </a:rPr>
-              <a:t>konzept</a:t>
-            </a:r>
-            <a:r>
-              <a:rPr lang="de-DE" dirty="0">
-                <a:highlight>
-                  <a:srgbClr val="FFFF00"/>
-                </a:highlight>
-              </a:rPr>
-              <a:t>)</a:t>
+              <a:t> </a:t>
             </a:r>
             <a:endParaRPr lang="en-GB" dirty="0">
               <a:highlight>
@@ -4415,8 +4359,8 @@
         </p:blipFill>
         <p:spPr>
           <a:xfrm>
-            <a:off x="676685" y="1865129"/>
-            <a:ext cx="10486889" cy="2246343"/>
+            <a:off x="48035" y="1505101"/>
+            <a:ext cx="8867365" cy="2246343"/>
           </a:xfrm>
         </p:spPr>
       </p:pic>
@@ -4448,14 +4392,86 @@
         </p:blipFill>
         <p:spPr>
           <a:xfrm>
-            <a:off x="736783" y="4111472"/>
-            <a:ext cx="10426791" cy="2377459"/>
+            <a:off x="98834" y="3908272"/>
+            <a:ext cx="8867365" cy="2377459"/>
           </a:xfrm>
           <a:prstGeom prst="rect">
             <a:avLst/>
           </a:prstGeom>
         </p:spPr>
       </p:pic>
+      <p:sp>
+        <p:nvSpPr>
+          <p:cNvPr id="4" name="Textfeld 3">
+            <a:extLst>
+              <a:ext uri="{FF2B5EF4-FFF2-40B4-BE49-F238E27FC236}">
+                <a16:creationId xmlns:a16="http://schemas.microsoft.com/office/drawing/2014/main" id="{B8686410-9626-4E2D-AC6D-FCC4868DAE74}"/>
+              </a:ext>
+            </a:extLst>
+          </p:cNvPr>
+          <p:cNvSpPr txBox="1"/>
+          <p:nvPr/>
+        </p:nvSpPr>
+        <p:spPr>
+          <a:xfrm>
+            <a:off x="8642350" y="1505101"/>
+            <a:ext cx="2730500" cy="369332"/>
+          </a:xfrm>
+          <a:prstGeom prst="rect">
+            <a:avLst/>
+          </a:prstGeom>
+          <a:noFill/>
+        </p:spPr>
+        <p:txBody>
+          <a:bodyPr wrap="square" rtlCol="0">
+            <a:spAutoFit/>
+          </a:bodyPr>
+          <a:lstStyle/>
+          <a:p>
+            <a:r>
+              <a:rPr lang="de-DE" dirty="0"/>
+              <a:t>Eingespeistes Signal</a:t>
+            </a:r>
+            <a:endParaRPr lang="en-GB" dirty="0"/>
+          </a:p>
+        </p:txBody>
+      </p:sp>
+      <p:sp>
+        <p:nvSpPr>
+          <p:cNvPr id="7" name="Textfeld 6">
+            <a:extLst>
+              <a:ext uri="{FF2B5EF4-FFF2-40B4-BE49-F238E27FC236}">
+                <a16:creationId xmlns:a16="http://schemas.microsoft.com/office/drawing/2014/main" id="{0FAD7CDC-4095-4867-8B05-45E14EEB780A}"/>
+              </a:ext>
+            </a:extLst>
+          </p:cNvPr>
+          <p:cNvSpPr txBox="1"/>
+          <p:nvPr/>
+        </p:nvSpPr>
+        <p:spPr>
+          <a:xfrm>
+            <a:off x="8693150" y="3964047"/>
+            <a:ext cx="2730500" cy="369332"/>
+          </a:xfrm>
+          <a:prstGeom prst="rect">
+            <a:avLst/>
+          </a:prstGeom>
+          <a:noFill/>
+        </p:spPr>
+        <p:txBody>
+          <a:bodyPr wrap="square" rtlCol="0">
+            <a:spAutoFit/>
+          </a:bodyPr>
+          <a:lstStyle/>
+          <a:p>
+            <a:r>
+              <a:rPr lang="de-DE" dirty="0"/>
+              <a:t>Gemessenes Signal</a:t>
+            </a:r>
+            <a:endParaRPr lang="en-GB" dirty="0"/>
+          </a:p>
+        </p:txBody>
+      </p:sp>
     </p:spTree>
     <p:extLst>
       <p:ext uri="{BB962C8B-B14F-4D97-AF65-F5344CB8AC3E}">
@@ -4601,86 +4617,6 @@
     <p:extLst>
       <p:ext uri="{BB962C8B-B14F-4D97-AF65-F5344CB8AC3E}">
         <p14:creationId xmlns:p14="http://schemas.microsoft.com/office/powerpoint/2010/main" val="545451040"/>
-      </p:ext>
-    </p:extLst>
-  </p:cSld>
-  <p:clrMapOvr>
-    <a:masterClrMapping/>
-  </p:clrMapOvr>
-</p:sld>
-</file>
-
-<file path=ppt/slides/slide9.xml><?xml version="1.0" encoding="utf-8"?>
-<p:sld xmlns:a="http://schemas.openxmlformats.org/drawingml/2006/main" xmlns:r="http://schemas.openxmlformats.org/officeDocument/2006/relationships" xmlns:p="http://schemas.openxmlformats.org/presentationml/2006/main">
-  <p:cSld>
-    <p:spTree>
-      <p:nvGrpSpPr>
-        <p:cNvPr id="1" name=""/>
-        <p:cNvGrpSpPr/>
-        <p:nvPr/>
-      </p:nvGrpSpPr>
-      <p:grpSpPr>
-        <a:xfrm>
-          <a:off x="0" y="0"/>
-          <a:ext cx="0" cy="0"/>
-          <a:chOff x="0" y="0"/>
-          <a:chExt cx="0" cy="0"/>
-        </a:xfrm>
-      </p:grpSpPr>
-      <p:sp>
-        <p:nvSpPr>
-          <p:cNvPr id="2" name="Titel 1">
-            <a:extLst>
-              <a:ext uri="{FF2B5EF4-FFF2-40B4-BE49-F238E27FC236}">
-                <a16:creationId xmlns:a16="http://schemas.microsoft.com/office/drawing/2014/main" id="{FA05B18F-EA03-45DF-B073-4D703E646390}"/>
-              </a:ext>
-            </a:extLst>
-          </p:cNvPr>
-          <p:cNvSpPr>
-            <a:spLocks noGrp="1"/>
-          </p:cNvSpPr>
-          <p:nvPr>
-            <p:ph type="title"/>
-          </p:nvPr>
-        </p:nvSpPr>
-        <p:spPr/>
-        <p:txBody>
-          <a:bodyPr/>
-          <a:lstStyle/>
-          <a:p>
-            <a:endParaRPr lang="en-GB"/>
-          </a:p>
-        </p:txBody>
-      </p:sp>
-      <p:sp>
-        <p:nvSpPr>
-          <p:cNvPr id="3" name="Inhaltsplatzhalter 2">
-            <a:extLst>
-              <a:ext uri="{FF2B5EF4-FFF2-40B4-BE49-F238E27FC236}">
-                <a16:creationId xmlns:a16="http://schemas.microsoft.com/office/drawing/2014/main" id="{F5D22087-7430-421F-AFE2-7F8AC7FF832C}"/>
-              </a:ext>
-            </a:extLst>
-          </p:cNvPr>
-          <p:cNvSpPr>
-            <a:spLocks noGrp="1"/>
-          </p:cNvSpPr>
-          <p:nvPr>
-            <p:ph idx="1"/>
-          </p:nvPr>
-        </p:nvSpPr>
-        <p:spPr/>
-        <p:txBody>
-          <a:bodyPr/>
-          <a:lstStyle/>
-          <a:p>
-            <a:endParaRPr lang="en-GB"/>
-          </a:p>
-        </p:txBody>
-      </p:sp>
-    </p:spTree>
-    <p:extLst>
-      <p:ext uri="{BB962C8B-B14F-4D97-AF65-F5344CB8AC3E}">
-        <p14:creationId xmlns:p14="http://schemas.microsoft.com/office/powerpoint/2010/main" val="419571780"/>
       </p:ext>
     </p:extLst>
   </p:cSld>

--- a/Wandler_Koll.pptx
+++ b/Wandler_Koll.pptx
@@ -11,8 +11,9 @@
     <p:sldId id="259" r:id="rId5"/>
     <p:sldId id="265" r:id="rId6"/>
     <p:sldId id="261" r:id="rId7"/>
-    <p:sldId id="264" r:id="rId8"/>
-    <p:sldId id="260" r:id="rId9"/>
+    <p:sldId id="266" r:id="rId8"/>
+    <p:sldId id="264" r:id="rId9"/>
+    <p:sldId id="260" r:id="rId10"/>
   </p:sldIdLst>
   <p:sldSz cx="12192000" cy="6858000"/>
   <p:notesSz cx="6858000" cy="9144000"/>
@@ -287,7 +288,7 @@
           <a:p>
             <a:fld id="{433BF1C3-5F5C-4405-BA96-63605F6D547A}" type="datetimeFigureOut">
               <a:rPr lang="en-GB" smtClean="0"/>
-              <a:t>21/01/2021</a:t>
+              <a:t>27/01/2021</a:t>
             </a:fld>
             <a:endParaRPr lang="en-GB"/>
           </a:p>
@@ -515,7 +516,7 @@
           <a:p>
             <a:fld id="{433BF1C3-5F5C-4405-BA96-63605F6D547A}" type="datetimeFigureOut">
               <a:rPr lang="en-GB" smtClean="0"/>
-              <a:t>21/01/2021</a:t>
+              <a:t>27/01/2021</a:t>
             </a:fld>
             <a:endParaRPr lang="en-GB"/>
           </a:p>
@@ -695,7 +696,7 @@
           <a:p>
             <a:fld id="{433BF1C3-5F5C-4405-BA96-63605F6D547A}" type="datetimeFigureOut">
               <a:rPr lang="en-GB" smtClean="0"/>
-              <a:t>21/01/2021</a:t>
+              <a:t>27/01/2021</a:t>
             </a:fld>
             <a:endParaRPr lang="en-GB"/>
           </a:p>
@@ -865,7 +866,7 @@
           <a:p>
             <a:fld id="{433BF1C3-5F5C-4405-BA96-63605F6D547A}" type="datetimeFigureOut">
               <a:rPr lang="en-GB" smtClean="0"/>
-              <a:t>21/01/2021</a:t>
+              <a:t>27/01/2021</a:t>
             </a:fld>
             <a:endParaRPr lang="en-GB"/>
           </a:p>
@@ -1119,7 +1120,7 @@
           <a:p>
             <a:fld id="{433BF1C3-5F5C-4405-BA96-63605F6D547A}" type="datetimeFigureOut">
               <a:rPr lang="en-GB" smtClean="0"/>
-              <a:t>21/01/2021</a:t>
+              <a:t>27/01/2021</a:t>
             </a:fld>
             <a:endParaRPr lang="en-GB"/>
           </a:p>
@@ -1445,7 +1446,7 @@
           <a:p>
             <a:fld id="{433BF1C3-5F5C-4405-BA96-63605F6D547A}" type="datetimeFigureOut">
               <a:rPr lang="en-GB" smtClean="0"/>
-              <a:t>21/01/2021</a:t>
+              <a:t>27/01/2021</a:t>
             </a:fld>
             <a:endParaRPr lang="en-GB"/>
           </a:p>
@@ -1896,7 +1897,7 @@
           <a:p>
             <a:fld id="{433BF1C3-5F5C-4405-BA96-63605F6D547A}" type="datetimeFigureOut">
               <a:rPr lang="en-GB" smtClean="0"/>
-              <a:t>21/01/2021</a:t>
+              <a:t>27/01/2021</a:t>
             </a:fld>
             <a:endParaRPr lang="en-GB"/>
           </a:p>
@@ -2014,7 +2015,7 @@
           <a:p>
             <a:fld id="{433BF1C3-5F5C-4405-BA96-63605F6D547A}" type="datetimeFigureOut">
               <a:rPr lang="en-GB" smtClean="0"/>
-              <a:t>21/01/2021</a:t>
+              <a:t>27/01/2021</a:t>
             </a:fld>
             <a:endParaRPr lang="en-GB"/>
           </a:p>
@@ -2109,7 +2110,7 @@
           <a:p>
             <a:fld id="{433BF1C3-5F5C-4405-BA96-63605F6D547A}" type="datetimeFigureOut">
               <a:rPr lang="en-GB" smtClean="0"/>
-              <a:t>21/01/2021</a:t>
+              <a:t>27/01/2021</a:t>
             </a:fld>
             <a:endParaRPr lang="en-GB"/>
           </a:p>
@@ -2396,7 +2397,7 @@
           <a:p>
             <a:fld id="{433BF1C3-5F5C-4405-BA96-63605F6D547A}" type="datetimeFigureOut">
               <a:rPr lang="en-GB" smtClean="0"/>
-              <a:t>21/01/2021</a:t>
+              <a:t>27/01/2021</a:t>
             </a:fld>
             <a:endParaRPr lang="en-GB"/>
           </a:p>
@@ -2721,7 +2722,7 @@
           <a:p>
             <a:fld id="{433BF1C3-5F5C-4405-BA96-63605F6D547A}" type="datetimeFigureOut">
               <a:rPr lang="en-GB" smtClean="0"/>
-              <a:t>21/01/2021</a:t>
+              <a:t>27/01/2021</a:t>
             </a:fld>
             <a:endParaRPr lang="en-GB"/>
           </a:p>
@@ -2975,7 +2976,7 @@
           <a:p>
             <a:fld id="{433BF1C3-5F5C-4405-BA96-63605F6D547A}" type="datetimeFigureOut">
               <a:rPr lang="en-GB" smtClean="0"/>
-              <a:t>21/01/2021</a:t>
+              <a:t>27/01/2021</a:t>
             </a:fld>
             <a:endParaRPr lang="en-GB"/>
           </a:p>
@@ -3606,31 +3607,89 @@
           <a:p>
             <a:r>
               <a:rPr lang="de-DE" dirty="0"/>
-              <a:t>1. Eigenschaften des Buck-Wandlers</a:t>
-            </a:r>
-          </a:p>
-          <a:p>
+              <a:t>1. Genutzte Hardware</a:t>
+            </a:r>
+          </a:p>
+          <a:p>
+            <a:pPr lvl="1"/>
             <a:r>
               <a:rPr lang="de-DE" dirty="0"/>
-              <a:t>2. Wandler Vergleich unter statischer Last</a:t>
-            </a:r>
-          </a:p>
-          <a:p>
+              <a:t>1.1 Buck Wandler</a:t>
+            </a:r>
+          </a:p>
+          <a:p>
+            <a:pPr lvl="1"/>
             <a:r>
               <a:rPr lang="de-DE" dirty="0"/>
-              <a:t>3 Testaufbau für dynamische Last </a:t>
+              <a:t>1.2 Raspberry Pi</a:t>
             </a:r>
           </a:p>
           <a:p>
             <a:r>
               <a:rPr lang="de-DE" dirty="0"/>
-              <a:t>4. Ermittlung und Auswertung der Abtastrate</a:t>
-            </a:r>
-          </a:p>
-          <a:p>
+              <a:t>2. Testaufbau</a:t>
+            </a:r>
+          </a:p>
+          <a:p>
+            <a:pPr lvl="1"/>
             <a:r>
               <a:rPr lang="de-DE" dirty="0"/>
-              <a:t>5. Anwendbarkeitstest – Neuronale Netze</a:t>
+              <a:t>2.1 Statische Lasten</a:t>
+            </a:r>
+          </a:p>
+          <a:p>
+            <a:pPr lvl="1"/>
+            <a:r>
+              <a:rPr lang="de-DE" dirty="0"/>
+              <a:t>2.2 Dynamische Lasten</a:t>
+            </a:r>
+          </a:p>
+          <a:p>
+            <a:r>
+              <a:rPr lang="de-DE" dirty="0"/>
+              <a:t>3. Abtastrate</a:t>
+            </a:r>
+          </a:p>
+          <a:p>
+            <a:pPr lvl="1"/>
+            <a:r>
+              <a:rPr lang="de-DE" dirty="0"/>
+              <a:t>3.1 </a:t>
+            </a:r>
+            <a:r>
+              <a:rPr lang="de-DE" dirty="0" err="1"/>
+              <a:t>Nyquist</a:t>
+            </a:r>
+            <a:r>
+              <a:rPr lang="de-DE" dirty="0"/>
+              <a:t>-Frequenz</a:t>
+            </a:r>
+          </a:p>
+          <a:p>
+            <a:pPr lvl="1"/>
+            <a:r>
+              <a:rPr lang="de-DE" dirty="0"/>
+              <a:t>3.2 Praktische Anwendung</a:t>
+            </a:r>
+          </a:p>
+          <a:p>
+            <a:r>
+              <a:rPr lang="de-DE" dirty="0"/>
+              <a:t>4. Anwendbarkeitstests</a:t>
+            </a:r>
+          </a:p>
+          <a:p>
+            <a:pPr lvl="1"/>
+            <a:r>
+              <a:rPr lang="de-DE" dirty="0"/>
+              <a:t>4.1 Theorie Neuronale Netze</a:t>
+            </a:r>
+          </a:p>
+          <a:p>
+            <a:pPr lvl="1"/>
+            <a:r>
+              <a:rPr lang="de-DE" dirty="0"/>
+              <a:t>4.2 Simple Anwendungsfälle</a:t>
             </a:r>
           </a:p>
           <a:p>
@@ -4288,6 +4347,150 @@
           <p:cNvPr id="2" name="Titel 1">
             <a:extLst>
               <a:ext uri="{FF2B5EF4-FFF2-40B4-BE49-F238E27FC236}">
+                <a16:creationId xmlns:a16="http://schemas.microsoft.com/office/drawing/2014/main" id="{93069927-9ED3-483E-98F1-609FD9B22BC1}"/>
+              </a:ext>
+            </a:extLst>
+          </p:cNvPr>
+          <p:cNvSpPr>
+            <a:spLocks noGrp="1"/>
+          </p:cNvSpPr>
+          <p:nvPr>
+            <p:ph type="title"/>
+          </p:nvPr>
+        </p:nvSpPr>
+        <p:spPr/>
+        <p:txBody>
+          <a:bodyPr/>
+          <a:lstStyle/>
+          <a:p>
+            <a:r>
+              <a:rPr lang="de-DE" dirty="0" err="1"/>
+              <a:t>Nyquist</a:t>
+            </a:r>
+            <a:r>
+              <a:rPr lang="de-DE" dirty="0"/>
+              <a:t> Frequenz</a:t>
+            </a:r>
+            <a:endParaRPr lang="en-GB" dirty="0"/>
+          </a:p>
+        </p:txBody>
+      </p:sp>
+      <p:sp>
+        <p:nvSpPr>
+          <p:cNvPr id="3" name="Inhaltsplatzhalter 2">
+            <a:extLst>
+              <a:ext uri="{FF2B5EF4-FFF2-40B4-BE49-F238E27FC236}">
+                <a16:creationId xmlns:a16="http://schemas.microsoft.com/office/drawing/2014/main" id="{D53A4D69-8FFE-47CE-9F49-C6D14B394238}"/>
+              </a:ext>
+            </a:extLst>
+          </p:cNvPr>
+          <p:cNvSpPr>
+            <a:spLocks noGrp="1"/>
+          </p:cNvSpPr>
+          <p:nvPr>
+            <p:ph idx="1"/>
+          </p:nvPr>
+        </p:nvSpPr>
+        <p:spPr>
+          <a:xfrm>
+            <a:off x="1447707" y="5703488"/>
+            <a:ext cx="8595360" cy="621374"/>
+          </a:xfrm>
+        </p:spPr>
+        <p:txBody>
+          <a:bodyPr/>
+          <a:lstStyle/>
+          <a:p>
+            <a:r>
+              <a:rPr lang="de-DE" dirty="0"/>
+              <a:t>Quelle: https://www.geothermie.de/bibliothek/lexikon-der-geothermie/n/nyquist-frequenz.html</a:t>
+            </a:r>
+            <a:endParaRPr lang="en-GB" dirty="0"/>
+          </a:p>
+        </p:txBody>
+      </p:sp>
+      <p:pic>
+        <p:nvPicPr>
+          <p:cNvPr id="1026" name="Picture 2">
+            <a:extLst>
+              <a:ext uri="{FF2B5EF4-FFF2-40B4-BE49-F238E27FC236}">
+                <a16:creationId xmlns:a16="http://schemas.microsoft.com/office/drawing/2014/main" id="{52003143-77EA-4354-8878-138D922773D8}"/>
+              </a:ext>
+            </a:extLst>
+          </p:cNvPr>
+          <p:cNvPicPr>
+            <a:picLocks noChangeAspect="1" noChangeArrowheads="1"/>
+          </p:cNvPicPr>
+          <p:nvPr/>
+        </p:nvPicPr>
+        <p:blipFill>
+          <a:blip r:embed="rId2">
+            <a:extLst>
+              <a:ext uri="{28A0092B-C50C-407E-A947-70E740481C1C}">
+                <a14:useLocalDpi xmlns:a14="http://schemas.microsoft.com/office/drawing/2010/main" val="0"/>
+              </a:ext>
+            </a:extLst>
+          </a:blip>
+          <a:srcRect/>
+          <a:stretch>
+            <a:fillRect/>
+          </a:stretch>
+        </p:blipFill>
+        <p:spPr bwMode="auto">
+          <a:xfrm>
+            <a:off x="1447707" y="2098515"/>
+            <a:ext cx="7620000" cy="2466975"/>
+          </a:xfrm>
+          <a:prstGeom prst="rect">
+            <a:avLst/>
+          </a:prstGeom>
+          <a:noFill/>
+          <a:extLst>
+            <a:ext uri="{909E8E84-426E-40DD-AFC4-6F175D3DCCD1}">
+              <a14:hiddenFill xmlns:a14="http://schemas.microsoft.com/office/drawing/2010/main">
+                <a:solidFill>
+                  <a:srgbClr val="FFFFFF"/>
+                </a:solidFill>
+              </a14:hiddenFill>
+            </a:ext>
+          </a:extLst>
+        </p:spPr>
+      </p:pic>
+    </p:spTree>
+    <p:extLst>
+      <p:ext uri="{BB962C8B-B14F-4D97-AF65-F5344CB8AC3E}">
+        <p14:creationId xmlns:p14="http://schemas.microsoft.com/office/powerpoint/2010/main" val="850289274"/>
+      </p:ext>
+    </p:extLst>
+  </p:cSld>
+  <p:clrMapOvr>
+    <a:masterClrMapping/>
+  </p:clrMapOvr>
+</p:sld>
+</file>
+
+<file path=ppt/slides/slide8.xml><?xml version="1.0" encoding="utf-8"?>
+<p:sld xmlns:a="http://schemas.openxmlformats.org/drawingml/2006/main" xmlns:r="http://schemas.openxmlformats.org/officeDocument/2006/relationships" xmlns:p="http://schemas.openxmlformats.org/presentationml/2006/main">
+  <p:cSld>
+    <p:spTree>
+      <p:nvGrpSpPr>
+        <p:cNvPr id="1" name=""/>
+        <p:cNvGrpSpPr/>
+        <p:nvPr/>
+      </p:nvGrpSpPr>
+      <p:grpSpPr>
+        <a:xfrm>
+          <a:off x="0" y="0"/>
+          <a:ext cx="0" cy="0"/>
+          <a:chOff x="0" y="0"/>
+          <a:chExt cx="0" cy="0"/>
+        </a:xfrm>
+      </p:grpSpPr>
+      <p:sp>
+        <p:nvSpPr>
+          <p:cNvPr id="2" name="Titel 1">
+            <a:extLst>
+              <a:ext uri="{FF2B5EF4-FFF2-40B4-BE49-F238E27FC236}">
                 <a16:creationId xmlns:a16="http://schemas.microsoft.com/office/drawing/2014/main" id="{08F925F0-48D5-42F1-B361-9B34B2BDA248}"/>
               </a:ext>
             </a:extLst>
@@ -4485,7 +4688,7 @@
 </p:sld>
 </file>
 
-<file path=ppt/slides/slide8.xml><?xml version="1.0" encoding="utf-8"?>
+<file path=ppt/slides/slide9.xml><?xml version="1.0" encoding="utf-8"?>
 <p:sld xmlns:a="http://schemas.openxmlformats.org/drawingml/2006/main" xmlns:r="http://schemas.openxmlformats.org/officeDocument/2006/relationships" xmlns:p="http://schemas.openxmlformats.org/presentationml/2006/main">
   <p:cSld>
     <p:spTree>

--- a/Wandler_Koll.pptx
+++ b/Wandler_Koll.pptx
@@ -3520,6 +3520,26 @@
           <a:bodyPr/>
           <a:lstStyle/>
           <a:p>
+            <a:r>
+              <a:rPr lang="en-GB" dirty="0" err="1"/>
+              <a:t>Betreuer</a:t>
+            </a:r>
+            <a:r>
+              <a:rPr lang="en-GB" dirty="0"/>
+              <a:t>: Prof. </a:t>
+            </a:r>
+            <a:r>
+              <a:rPr lang="en-GB" dirty="0" err="1"/>
+              <a:t>Dr.</a:t>
+            </a:r>
+            <a:r>
+              <a:rPr lang="en-GB" dirty="0"/>
+              <a:t> Robert </a:t>
+            </a:r>
+            <a:r>
+              <a:rPr lang="en-GB" dirty="0" err="1"/>
+              <a:t>Bösnecker</a:t>
+            </a:r>
             <a:endParaRPr lang="en-GB" dirty="0"/>
           </a:p>
         </p:txBody>
@@ -3731,7 +3751,7 @@
           <a:p>
             <a:r>
               <a:rPr lang="de-DE" dirty="0"/>
-              <a:t>Output: 12 DC</a:t>
+              <a:t>Output: 12 V DC</a:t>
             </a:r>
           </a:p>
           <a:p>
@@ -4565,8 +4585,13 @@
           <a:p>
             <a:r>
               <a:rPr lang="de-DE" dirty="0"/>
-              <a:t>Periodische Signale mit verschiedenen Frequenzen</a:t>
-            </a:r>
+              <a:t>Periodische Signale mit verschiedenen </a:t>
+            </a:r>
+            <a:r>
+              <a:rPr lang="de-DE"/>
+              <a:t>(geringen) Frequenzen</a:t>
+            </a:r>
+            <a:endParaRPr lang="de-DE" dirty="0"/>
           </a:p>
           <a:p>
             <a:r>
